--- a/image/Presentation1.pptx
+++ b/image/Presentation1.pptx
@@ -5,12 +5,13 @@
     <p:sldMasterId id="2147483660" r:id="rId1"/>
   </p:sldMasterIdLst>
   <p:sldIdLst>
-    <p:sldId id="256" r:id="rId2"/>
-    <p:sldId id="257" r:id="rId3"/>
-    <p:sldId id="264" r:id="rId4"/>
-    <p:sldId id="265" r:id="rId5"/>
-    <p:sldId id="266" r:id="rId6"/>
-    <p:sldId id="267" r:id="rId7"/>
+    <p:sldId id="257" r:id="rId2"/>
+    <p:sldId id="264" r:id="rId3"/>
+    <p:sldId id="265" r:id="rId4"/>
+    <p:sldId id="266" r:id="rId5"/>
+    <p:sldId id="267" r:id="rId6"/>
+    <p:sldId id="268" r:id="rId7"/>
+    <p:sldId id="269" r:id="rId8"/>
   </p:sldIdLst>
   <p:sldSz cx="23409275" cy="6702425"/>
   <p:notesSz cx="6858000" cy="9144000"/>
@@ -248,7 +249,7 @@
           <a:p>
             <a:fld id="{FE1E33B8-7897-417E-83F6-AE1BED94DCE7}" type="datetimeFigureOut">
               <a:rPr lang="en-US" smtClean="0"/>
-              <a:t>4/21/2017</a:t>
+              <a:t>4/25/2017</a:t>
             </a:fld>
             <a:endParaRPr lang="en-US"/>
           </a:p>
@@ -418,7 +419,7 @@
           <a:p>
             <a:fld id="{FE1E33B8-7897-417E-83F6-AE1BED94DCE7}" type="datetimeFigureOut">
               <a:rPr lang="en-US" smtClean="0"/>
-              <a:t>4/21/2017</a:t>
+              <a:t>4/25/2017</a:t>
             </a:fld>
             <a:endParaRPr lang="en-US"/>
           </a:p>
@@ -598,7 +599,7 @@
           <a:p>
             <a:fld id="{FE1E33B8-7897-417E-83F6-AE1BED94DCE7}" type="datetimeFigureOut">
               <a:rPr lang="en-US" smtClean="0"/>
-              <a:t>4/21/2017</a:t>
+              <a:t>4/25/2017</a:t>
             </a:fld>
             <a:endParaRPr lang="en-US"/>
           </a:p>
@@ -768,7 +769,7 @@
           <a:p>
             <a:fld id="{FE1E33B8-7897-417E-83F6-AE1BED94DCE7}" type="datetimeFigureOut">
               <a:rPr lang="en-US" smtClean="0"/>
-              <a:t>4/21/2017</a:t>
+              <a:t>4/25/2017</a:t>
             </a:fld>
             <a:endParaRPr lang="en-US"/>
           </a:p>
@@ -1014,7 +1015,7 @@
           <a:p>
             <a:fld id="{FE1E33B8-7897-417E-83F6-AE1BED94DCE7}" type="datetimeFigureOut">
               <a:rPr lang="en-US" smtClean="0"/>
-              <a:t>4/21/2017</a:t>
+              <a:t>4/25/2017</a:t>
             </a:fld>
             <a:endParaRPr lang="en-US"/>
           </a:p>
@@ -1246,7 +1247,7 @@
           <a:p>
             <a:fld id="{FE1E33B8-7897-417E-83F6-AE1BED94DCE7}" type="datetimeFigureOut">
               <a:rPr lang="en-US" smtClean="0"/>
-              <a:t>4/21/2017</a:t>
+              <a:t>4/25/2017</a:t>
             </a:fld>
             <a:endParaRPr lang="en-US"/>
           </a:p>
@@ -1613,7 +1614,7 @@
           <a:p>
             <a:fld id="{FE1E33B8-7897-417E-83F6-AE1BED94DCE7}" type="datetimeFigureOut">
               <a:rPr lang="en-US" smtClean="0"/>
-              <a:t>4/21/2017</a:t>
+              <a:t>4/25/2017</a:t>
             </a:fld>
             <a:endParaRPr lang="en-US"/>
           </a:p>
@@ -1731,7 +1732,7 @@
           <a:p>
             <a:fld id="{FE1E33B8-7897-417E-83F6-AE1BED94DCE7}" type="datetimeFigureOut">
               <a:rPr lang="en-US" smtClean="0"/>
-              <a:t>4/21/2017</a:t>
+              <a:t>4/25/2017</a:t>
             </a:fld>
             <a:endParaRPr lang="en-US"/>
           </a:p>
@@ -1826,7 +1827,7 @@
           <a:p>
             <a:fld id="{FE1E33B8-7897-417E-83F6-AE1BED94DCE7}" type="datetimeFigureOut">
               <a:rPr lang="en-US" smtClean="0"/>
-              <a:t>4/21/2017</a:t>
+              <a:t>4/25/2017</a:t>
             </a:fld>
             <a:endParaRPr lang="en-US"/>
           </a:p>
@@ -2103,7 +2104,7 @@
           <a:p>
             <a:fld id="{FE1E33B8-7897-417E-83F6-AE1BED94DCE7}" type="datetimeFigureOut">
               <a:rPr lang="en-US" smtClean="0"/>
-              <a:t>4/21/2017</a:t>
+              <a:t>4/25/2017</a:t>
             </a:fld>
             <a:endParaRPr lang="en-US"/>
           </a:p>
@@ -2360,7 +2361,7 @@
           <a:p>
             <a:fld id="{FE1E33B8-7897-417E-83F6-AE1BED94DCE7}" type="datetimeFigureOut">
               <a:rPr lang="en-US" smtClean="0"/>
-              <a:t>4/21/2017</a:t>
+              <a:t>4/25/2017</a:t>
             </a:fld>
             <a:endParaRPr lang="en-US"/>
           </a:p>
@@ -2573,7 +2574,7 @@
           <a:p>
             <a:fld id="{FE1E33B8-7897-417E-83F6-AE1BED94DCE7}" type="datetimeFigureOut">
               <a:rPr lang="en-US" smtClean="0"/>
-              <a:t>4/21/2017</a:t>
+              <a:t>4/25/2017</a:t>
             </a:fld>
             <a:endParaRPr lang="en-US"/>
           </a:p>
@@ -3000,8 +3001,8 @@
         </p:blipFill>
         <p:spPr>
           <a:xfrm>
-            <a:off x="4332156" y="0"/>
-            <a:ext cx="14744962" cy="6702425"/>
+            <a:off x="5052989" y="0"/>
+            <a:ext cx="13303298" cy="6702425"/>
           </a:xfrm>
           <a:prstGeom prst="rect">
             <a:avLst/>
@@ -3010,71 +3011,14 @@
       </p:pic>
       <p:sp>
         <p:nvSpPr>
-          <p:cNvPr id="10" name="Rectangle 9"/>
-          <p:cNvSpPr/>
-          <p:nvPr/>
-        </p:nvSpPr>
-        <p:spPr>
-          <a:xfrm>
-            <a:off x="4332156" y="-2"/>
-            <a:ext cx="19077120" cy="6702425"/>
-          </a:xfrm>
-          <a:prstGeom prst="rect">
-            <a:avLst/>
-          </a:prstGeom>
-          <a:gradFill flip="none" rotWithShape="1">
-            <a:gsLst>
-              <a:gs pos="23000">
-                <a:schemeClr val="tx1"/>
-              </a:gs>
-              <a:gs pos="37000">
-                <a:schemeClr val="tx1">
-                  <a:alpha val="17000"/>
-                </a:schemeClr>
-              </a:gs>
-            </a:gsLst>
-            <a:lin ang="10800000" scaled="1"/>
-            <a:tileRect/>
-          </a:gradFill>
-          <a:ln>
-            <a:noFill/>
-          </a:ln>
-        </p:spPr>
-        <p:style>
-          <a:lnRef idx="2">
-            <a:schemeClr val="dk1">
-              <a:shade val="50000"/>
-            </a:schemeClr>
-          </a:lnRef>
-          <a:fillRef idx="1">
-            <a:schemeClr val="dk1"/>
-          </a:fillRef>
-          <a:effectRef idx="0">
-            <a:schemeClr val="dk1"/>
-          </a:effectRef>
-          <a:fontRef idx="minor">
-            <a:schemeClr val="lt1"/>
-          </a:fontRef>
-        </p:style>
-        <p:txBody>
-          <a:bodyPr rtlCol="0" anchor="ctr"/>
-          <a:lstStyle/>
-          <a:p>
-            <a:pPr algn="ctr"/>
-            <a:endParaRPr lang="en-US"/>
-          </a:p>
-        </p:txBody>
-      </p:sp>
-      <p:sp>
-        <p:nvSpPr>
           <p:cNvPr id="11" name="Rectangle 10"/>
           <p:cNvSpPr/>
           <p:nvPr/>
         </p:nvSpPr>
         <p:spPr>
           <a:xfrm rot="10800000">
-            <a:off x="0" y="0"/>
-            <a:ext cx="19077120" cy="6702425"/>
+            <a:off x="-3" y="-2"/>
+            <a:ext cx="23409277" cy="6702425"/>
           </a:xfrm>
           <a:prstGeom prst="rect">
             <a:avLst/>
@@ -3122,10 +3066,67 @@
           </a:p>
         </p:txBody>
       </p:sp>
+      <p:sp>
+        <p:nvSpPr>
+          <p:cNvPr id="5" name="Rectangle 4"/>
+          <p:cNvSpPr/>
+          <p:nvPr/>
+        </p:nvSpPr>
+        <p:spPr>
+          <a:xfrm>
+            <a:off x="0" y="0"/>
+            <a:ext cx="23409277" cy="6702425"/>
+          </a:xfrm>
+          <a:prstGeom prst="rect">
+            <a:avLst/>
+          </a:prstGeom>
+          <a:gradFill flip="none" rotWithShape="1">
+            <a:gsLst>
+              <a:gs pos="22000">
+                <a:schemeClr val="tx1"/>
+              </a:gs>
+              <a:gs pos="37000">
+                <a:schemeClr val="tx1">
+                  <a:alpha val="17000"/>
+                </a:schemeClr>
+              </a:gs>
+            </a:gsLst>
+            <a:lin ang="10800000" scaled="1"/>
+            <a:tileRect/>
+          </a:gradFill>
+          <a:ln>
+            <a:noFill/>
+          </a:ln>
+        </p:spPr>
+        <p:style>
+          <a:lnRef idx="2">
+            <a:schemeClr val="dk1">
+              <a:shade val="50000"/>
+            </a:schemeClr>
+          </a:lnRef>
+          <a:fillRef idx="1">
+            <a:schemeClr val="dk1"/>
+          </a:fillRef>
+          <a:effectRef idx="0">
+            <a:schemeClr val="dk1"/>
+          </a:effectRef>
+          <a:fontRef idx="minor">
+            <a:schemeClr val="lt1"/>
+          </a:fontRef>
+        </p:style>
+        <p:txBody>
+          <a:bodyPr rtlCol="0" anchor="ctr"/>
+          <a:lstStyle/>
+          <a:p>
+            <a:pPr algn="ctr"/>
+            <a:endParaRPr lang="en-US"/>
+          </a:p>
+        </p:txBody>
+      </p:sp>
     </p:spTree>
     <p:extLst>
       <p:ext uri="{BB962C8B-B14F-4D97-AF65-F5344CB8AC3E}">
-        <p14:creationId xmlns:p14="http://schemas.microsoft.com/office/powerpoint/2010/main" val="1343722657"/>
+        <p14:creationId xmlns:p14="http://schemas.microsoft.com/office/powerpoint/2010/main" val="2187464310"/>
       </p:ext>
     </p:extLst>
   </p:cSld>
@@ -3181,24 +3182,34 @@
         </p:blipFill>
         <p:spPr>
           <a:xfrm>
-            <a:off x="5052989" y="0"/>
+            <a:off x="5052988" y="0"/>
             <a:ext cx="13303298" cy="6702425"/>
           </a:xfrm>
           <a:prstGeom prst="rect">
             <a:avLst/>
           </a:prstGeom>
+          <a:ln>
+            <a:noFill/>
+          </a:ln>
+          <a:effectLst>
+            <a:outerShdw blurRad="190500" algn="tl" rotWithShape="0">
+              <a:srgbClr val="000000">
+                <a:alpha val="70000"/>
+              </a:srgbClr>
+            </a:outerShdw>
+          </a:effectLst>
         </p:spPr>
       </p:pic>
       <p:sp>
         <p:nvSpPr>
-          <p:cNvPr id="11" name="Rectangle 10"/>
+          <p:cNvPr id="5" name="Rectangle 4"/>
           <p:cNvSpPr/>
           <p:nvPr/>
         </p:nvSpPr>
         <p:spPr>
           <a:xfrm rot="10800000">
-            <a:off x="-3" y="-2"/>
-            <a:ext cx="23409277" cy="6702425"/>
+            <a:off x="-1" y="-1"/>
+            <a:ext cx="23409275" cy="6702425"/>
           </a:xfrm>
           <a:prstGeom prst="rect">
             <a:avLst/>
@@ -3208,7 +3219,7 @@
               <a:gs pos="24000">
                 <a:schemeClr val="tx1"/>
               </a:gs>
-              <a:gs pos="37000">
+              <a:gs pos="39000">
                 <a:schemeClr val="tx1">
                   <a:alpha val="17000"/>
                 </a:schemeClr>
@@ -3248,24 +3259,24 @@
       </p:sp>
       <p:sp>
         <p:nvSpPr>
-          <p:cNvPr id="5" name="Rectangle 4"/>
+          <p:cNvPr id="6" name="Rectangle 5"/>
           <p:cNvSpPr/>
           <p:nvPr/>
         </p:nvSpPr>
         <p:spPr>
           <a:xfrm>
-            <a:off x="0" y="0"/>
-            <a:ext cx="23409277" cy="6702425"/>
+            <a:off x="-1" y="-8"/>
+            <a:ext cx="23409275" cy="6702425"/>
           </a:xfrm>
           <a:prstGeom prst="rect">
             <a:avLst/>
           </a:prstGeom>
           <a:gradFill flip="none" rotWithShape="1">
             <a:gsLst>
-              <a:gs pos="22000">
+              <a:gs pos="24000">
                 <a:schemeClr val="tx1"/>
               </a:gs>
-              <a:gs pos="37000">
+              <a:gs pos="39000">
                 <a:schemeClr val="tx1">
                   <a:alpha val="17000"/>
                 </a:schemeClr>
@@ -3306,7 +3317,7 @@
     </p:spTree>
     <p:extLst>
       <p:ext uri="{BB962C8B-B14F-4D97-AF65-F5344CB8AC3E}">
-        <p14:creationId xmlns:p14="http://schemas.microsoft.com/office/powerpoint/2010/main" val="2187464310"/>
+        <p14:creationId xmlns:p14="http://schemas.microsoft.com/office/powerpoint/2010/main" val="1607334698"/>
       </p:ext>
     </p:extLst>
   </p:cSld>
@@ -3362,8 +3373,8 @@
         </p:blipFill>
         <p:spPr>
           <a:xfrm>
-            <a:off x="5052988" y="0"/>
-            <a:ext cx="13303298" cy="6702425"/>
+            <a:off x="4220309" y="-1"/>
+            <a:ext cx="14665568" cy="6702425"/>
           </a:xfrm>
           <a:prstGeom prst="rect">
             <a:avLst/>
@@ -3382,14 +3393,14 @@
       </p:pic>
       <p:sp>
         <p:nvSpPr>
-          <p:cNvPr id="5" name="Rectangle 4"/>
+          <p:cNvPr id="8" name="Rectangle 7"/>
           <p:cNvSpPr/>
           <p:nvPr/>
         </p:nvSpPr>
         <p:spPr>
-          <a:xfrm rot="10800000">
-            <a:off x="-1" y="-1"/>
-            <a:ext cx="23409275" cy="6702425"/>
+          <a:xfrm>
+            <a:off x="3622432" y="-5"/>
+            <a:ext cx="19786844" cy="6702425"/>
           </a:xfrm>
           <a:prstGeom prst="rect">
             <a:avLst/>
@@ -3439,14 +3450,14 @@
       </p:sp>
       <p:sp>
         <p:nvSpPr>
-          <p:cNvPr id="6" name="Rectangle 5"/>
+          <p:cNvPr id="9" name="Rectangle 8"/>
           <p:cNvSpPr/>
           <p:nvPr/>
         </p:nvSpPr>
         <p:spPr>
-          <a:xfrm>
-            <a:off x="-1" y="-8"/>
-            <a:ext cx="23409275" cy="6702425"/>
+          <a:xfrm rot="10800000">
+            <a:off x="0" y="0"/>
+            <a:ext cx="19786844" cy="6702425"/>
           </a:xfrm>
           <a:prstGeom prst="rect">
             <a:avLst/>
@@ -3497,7 +3508,7 @@
     </p:spTree>
     <p:extLst>
       <p:ext uri="{BB962C8B-B14F-4D97-AF65-F5344CB8AC3E}">
-        <p14:creationId xmlns:p14="http://schemas.microsoft.com/office/powerpoint/2010/main" val="1607334698"/>
+        <p14:creationId xmlns:p14="http://schemas.microsoft.com/office/powerpoint/2010/main" val="450246102"/>
       </p:ext>
     </p:extLst>
   </p:cSld>
@@ -3540,197 +3551,6 @@
           <p:nvPr/>
         </p:nvPicPr>
         <p:blipFill>
-          <a:blip r:embed="rId2">
-            <a:extLst>
-              <a:ext uri="{28A0092B-C50C-407E-A947-70E740481C1C}">
-                <a14:useLocalDpi xmlns:a14="http://schemas.microsoft.com/office/drawing/2010/main" val="0"/>
-              </a:ext>
-            </a:extLst>
-          </a:blip>
-          <a:stretch>
-            <a:fillRect/>
-          </a:stretch>
-        </p:blipFill>
-        <p:spPr>
-          <a:xfrm>
-            <a:off x="4220309" y="-1"/>
-            <a:ext cx="14665568" cy="6702425"/>
-          </a:xfrm>
-          <a:prstGeom prst="rect">
-            <a:avLst/>
-          </a:prstGeom>
-          <a:ln>
-            <a:noFill/>
-          </a:ln>
-          <a:effectLst>
-            <a:outerShdw blurRad="190500" algn="tl" rotWithShape="0">
-              <a:srgbClr val="000000">
-                <a:alpha val="70000"/>
-              </a:srgbClr>
-            </a:outerShdw>
-          </a:effectLst>
-        </p:spPr>
-      </p:pic>
-      <p:sp>
-        <p:nvSpPr>
-          <p:cNvPr id="8" name="Rectangle 7"/>
-          <p:cNvSpPr/>
-          <p:nvPr/>
-        </p:nvSpPr>
-        <p:spPr>
-          <a:xfrm>
-            <a:off x="3622432" y="-5"/>
-            <a:ext cx="19786844" cy="6702425"/>
-          </a:xfrm>
-          <a:prstGeom prst="rect">
-            <a:avLst/>
-          </a:prstGeom>
-          <a:gradFill flip="none" rotWithShape="1">
-            <a:gsLst>
-              <a:gs pos="24000">
-                <a:schemeClr val="tx1"/>
-              </a:gs>
-              <a:gs pos="39000">
-                <a:schemeClr val="tx1">
-                  <a:alpha val="17000"/>
-                </a:schemeClr>
-              </a:gs>
-            </a:gsLst>
-            <a:lin ang="10800000" scaled="1"/>
-            <a:tileRect/>
-          </a:gradFill>
-          <a:ln>
-            <a:noFill/>
-          </a:ln>
-        </p:spPr>
-        <p:style>
-          <a:lnRef idx="2">
-            <a:schemeClr val="dk1">
-              <a:shade val="50000"/>
-            </a:schemeClr>
-          </a:lnRef>
-          <a:fillRef idx="1">
-            <a:schemeClr val="dk1"/>
-          </a:fillRef>
-          <a:effectRef idx="0">
-            <a:schemeClr val="dk1"/>
-          </a:effectRef>
-          <a:fontRef idx="minor">
-            <a:schemeClr val="lt1"/>
-          </a:fontRef>
-        </p:style>
-        <p:txBody>
-          <a:bodyPr rtlCol="0" anchor="ctr"/>
-          <a:lstStyle/>
-          <a:p>
-            <a:pPr algn="ctr"/>
-            <a:endParaRPr lang="en-US"/>
-          </a:p>
-        </p:txBody>
-      </p:sp>
-      <p:sp>
-        <p:nvSpPr>
-          <p:cNvPr id="9" name="Rectangle 8"/>
-          <p:cNvSpPr/>
-          <p:nvPr/>
-        </p:nvSpPr>
-        <p:spPr>
-          <a:xfrm rot="10800000">
-            <a:off x="0" y="0"/>
-            <a:ext cx="19786844" cy="6702425"/>
-          </a:xfrm>
-          <a:prstGeom prst="rect">
-            <a:avLst/>
-          </a:prstGeom>
-          <a:gradFill flip="none" rotWithShape="1">
-            <a:gsLst>
-              <a:gs pos="24000">
-                <a:schemeClr val="tx1"/>
-              </a:gs>
-              <a:gs pos="39000">
-                <a:schemeClr val="tx1">
-                  <a:alpha val="17000"/>
-                </a:schemeClr>
-              </a:gs>
-            </a:gsLst>
-            <a:lin ang="10800000" scaled="1"/>
-            <a:tileRect/>
-          </a:gradFill>
-          <a:ln>
-            <a:noFill/>
-          </a:ln>
-        </p:spPr>
-        <p:style>
-          <a:lnRef idx="2">
-            <a:schemeClr val="dk1">
-              <a:shade val="50000"/>
-            </a:schemeClr>
-          </a:lnRef>
-          <a:fillRef idx="1">
-            <a:schemeClr val="dk1"/>
-          </a:fillRef>
-          <a:effectRef idx="0">
-            <a:schemeClr val="dk1"/>
-          </a:effectRef>
-          <a:fontRef idx="minor">
-            <a:schemeClr val="lt1"/>
-          </a:fontRef>
-        </p:style>
-        <p:txBody>
-          <a:bodyPr rtlCol="0" anchor="ctr"/>
-          <a:lstStyle/>
-          <a:p>
-            <a:pPr algn="ctr"/>
-            <a:endParaRPr lang="en-US"/>
-          </a:p>
-        </p:txBody>
-      </p:sp>
-    </p:spTree>
-    <p:extLst>
-      <p:ext uri="{BB962C8B-B14F-4D97-AF65-F5344CB8AC3E}">
-        <p14:creationId xmlns:p14="http://schemas.microsoft.com/office/powerpoint/2010/main" val="450246102"/>
-      </p:ext>
-    </p:extLst>
-  </p:cSld>
-  <p:clrMapOvr>
-    <a:masterClrMapping/>
-  </p:clrMapOvr>
-  <p:timing>
-    <p:tnLst>
-      <p:par>
-        <p:cTn id="1" dur="indefinite" restart="never" nodeType="tmRoot"/>
-      </p:par>
-    </p:tnLst>
-  </p:timing>
-</p:sld>
-</file>
-
-<file path=ppt/slides/slide5.xml><?xml version="1.0" encoding="utf-8"?>
-<p:sld xmlns:a="http://schemas.openxmlformats.org/drawingml/2006/main" xmlns:r="http://schemas.openxmlformats.org/officeDocument/2006/relationships" xmlns:p="http://schemas.openxmlformats.org/presentationml/2006/main">
-  <p:cSld>
-    <p:spTree>
-      <p:nvGrpSpPr>
-        <p:cNvPr id="1" name=""/>
-        <p:cNvGrpSpPr/>
-        <p:nvPr/>
-      </p:nvGrpSpPr>
-      <p:grpSpPr>
-        <a:xfrm>
-          <a:off x="0" y="0"/>
-          <a:ext cx="0" cy="0"/>
-          <a:chOff x="0" y="0"/>
-          <a:chExt cx="0" cy="0"/>
-        </a:xfrm>
-      </p:grpSpPr>
-      <p:pic>
-        <p:nvPicPr>
-          <p:cNvPr id="7" name="Picture 6"/>
-          <p:cNvPicPr>
-            <a:picLocks noChangeAspect="1"/>
-          </p:cNvPicPr>
-          <p:nvPr/>
-        </p:nvPicPr>
-        <p:blipFill>
           <a:blip r:embed="rId2" cstate="print">
             <a:extLst>
               <a:ext uri="{28A0092B-C50C-407E-A947-70E740481C1C}">
@@ -4030,7 +3850,7 @@
 </p:sld>
 </file>
 
-<file path=ppt/slides/slide6.xml><?xml version="1.0" encoding="utf-8"?>
+<file path=ppt/slides/slide5.xml><?xml version="1.0" encoding="utf-8"?>
 <p:sld xmlns:a="http://schemas.openxmlformats.org/drawingml/2006/main" xmlns:r="http://schemas.openxmlformats.org/officeDocument/2006/relationships" xmlns:p="http://schemas.openxmlformats.org/presentationml/2006/main">
   <p:cSld>
     <p:spTree>
@@ -4111,6 +3931,368 @@
     <p:extLst>
       <p:ext uri="{BB962C8B-B14F-4D97-AF65-F5344CB8AC3E}">
         <p14:creationId xmlns:p14="http://schemas.microsoft.com/office/powerpoint/2010/main" val="2933119825"/>
+      </p:ext>
+    </p:extLst>
+  </p:cSld>
+  <p:clrMapOvr>
+    <a:masterClrMapping/>
+  </p:clrMapOvr>
+  <p:timing>
+    <p:tnLst>
+      <p:par>
+        <p:cTn id="1" dur="indefinite" restart="never" nodeType="tmRoot"/>
+      </p:par>
+    </p:tnLst>
+  </p:timing>
+</p:sld>
+</file>
+
+<file path=ppt/slides/slide6.xml><?xml version="1.0" encoding="utf-8"?>
+<p:sld xmlns:a="http://schemas.openxmlformats.org/drawingml/2006/main" xmlns:r="http://schemas.openxmlformats.org/officeDocument/2006/relationships" xmlns:p="http://schemas.openxmlformats.org/presentationml/2006/main">
+  <p:cSld>
+    <p:spTree>
+      <p:nvGrpSpPr>
+        <p:cNvPr id="1" name=""/>
+        <p:cNvGrpSpPr/>
+        <p:nvPr/>
+      </p:nvGrpSpPr>
+      <p:grpSpPr>
+        <a:xfrm>
+          <a:off x="0" y="0"/>
+          <a:ext cx="0" cy="0"/>
+          <a:chOff x="0" y="0"/>
+          <a:chExt cx="0" cy="0"/>
+        </a:xfrm>
+      </p:grpSpPr>
+      <p:pic>
+        <p:nvPicPr>
+          <p:cNvPr id="7" name="Picture 6"/>
+          <p:cNvPicPr>
+            <a:picLocks/>
+          </p:cNvPicPr>
+          <p:nvPr/>
+        </p:nvPicPr>
+        <p:blipFill>
+          <a:blip r:embed="rId2">
+            <a:extLst>
+              <a:ext uri="{28A0092B-C50C-407E-A947-70E740481C1C}">
+                <a14:useLocalDpi xmlns:a14="http://schemas.microsoft.com/office/drawing/2010/main" val="0"/>
+              </a:ext>
+            </a:extLst>
+          </a:blip>
+          <a:stretch>
+            <a:fillRect/>
+          </a:stretch>
+        </p:blipFill>
+        <p:spPr>
+          <a:xfrm>
+            <a:off x="4334256" y="0"/>
+            <a:ext cx="14749272" cy="6702425"/>
+          </a:xfrm>
+          <a:prstGeom prst="rect">
+            <a:avLst/>
+          </a:prstGeom>
+        </p:spPr>
+      </p:pic>
+      <p:sp>
+        <p:nvSpPr>
+          <p:cNvPr id="6" name="Rectangle 5"/>
+          <p:cNvSpPr/>
+          <p:nvPr/>
+        </p:nvSpPr>
+        <p:spPr>
+          <a:xfrm>
+            <a:off x="4332155" y="-1535"/>
+            <a:ext cx="19077120" cy="6702425"/>
+          </a:xfrm>
+          <a:prstGeom prst="rect">
+            <a:avLst/>
+          </a:prstGeom>
+          <a:gradFill flip="none" rotWithShape="1">
+            <a:gsLst>
+              <a:gs pos="23000">
+                <a:schemeClr val="tx1"/>
+              </a:gs>
+              <a:gs pos="37000">
+                <a:schemeClr val="tx1">
+                  <a:alpha val="17000"/>
+                </a:schemeClr>
+              </a:gs>
+            </a:gsLst>
+            <a:lin ang="10800000" scaled="1"/>
+            <a:tileRect/>
+          </a:gradFill>
+          <a:ln>
+            <a:noFill/>
+          </a:ln>
+        </p:spPr>
+        <p:style>
+          <a:lnRef idx="2">
+            <a:schemeClr val="dk1">
+              <a:shade val="50000"/>
+            </a:schemeClr>
+          </a:lnRef>
+          <a:fillRef idx="1">
+            <a:schemeClr val="dk1"/>
+          </a:fillRef>
+          <a:effectRef idx="0">
+            <a:schemeClr val="dk1"/>
+          </a:effectRef>
+          <a:fontRef idx="minor">
+            <a:schemeClr val="lt1"/>
+          </a:fontRef>
+        </p:style>
+        <p:txBody>
+          <a:bodyPr rtlCol="0" anchor="ctr"/>
+          <a:lstStyle/>
+          <a:p>
+            <a:pPr algn="ctr"/>
+            <a:endParaRPr lang="en-US"/>
+          </a:p>
+        </p:txBody>
+      </p:sp>
+      <p:sp>
+        <p:nvSpPr>
+          <p:cNvPr id="8" name="Rectangle 7"/>
+          <p:cNvSpPr/>
+          <p:nvPr/>
+        </p:nvSpPr>
+        <p:spPr>
+          <a:xfrm rot="10800000">
+            <a:off x="-57150" y="-3070"/>
+            <a:ext cx="19077120" cy="6702425"/>
+          </a:xfrm>
+          <a:prstGeom prst="rect">
+            <a:avLst/>
+          </a:prstGeom>
+          <a:gradFill flip="none" rotWithShape="1">
+            <a:gsLst>
+              <a:gs pos="23000">
+                <a:schemeClr val="tx1"/>
+              </a:gs>
+              <a:gs pos="37000">
+                <a:schemeClr val="tx1">
+                  <a:alpha val="17000"/>
+                </a:schemeClr>
+              </a:gs>
+            </a:gsLst>
+            <a:lin ang="10800000" scaled="1"/>
+            <a:tileRect/>
+          </a:gradFill>
+          <a:ln>
+            <a:noFill/>
+          </a:ln>
+        </p:spPr>
+        <p:style>
+          <a:lnRef idx="2">
+            <a:schemeClr val="dk1">
+              <a:shade val="50000"/>
+            </a:schemeClr>
+          </a:lnRef>
+          <a:fillRef idx="1">
+            <a:schemeClr val="dk1"/>
+          </a:fillRef>
+          <a:effectRef idx="0">
+            <a:schemeClr val="dk1"/>
+          </a:effectRef>
+          <a:fontRef idx="minor">
+            <a:schemeClr val="lt1"/>
+          </a:fontRef>
+        </p:style>
+        <p:txBody>
+          <a:bodyPr rtlCol="0" anchor="ctr"/>
+          <a:lstStyle/>
+          <a:p>
+            <a:pPr algn="ctr"/>
+            <a:endParaRPr lang="en-US"/>
+          </a:p>
+        </p:txBody>
+      </p:sp>
+    </p:spTree>
+    <p:extLst>
+      <p:ext uri="{BB962C8B-B14F-4D97-AF65-F5344CB8AC3E}">
+        <p14:creationId xmlns:p14="http://schemas.microsoft.com/office/powerpoint/2010/main" val="2275637339"/>
+      </p:ext>
+    </p:extLst>
+  </p:cSld>
+  <p:clrMapOvr>
+    <a:masterClrMapping/>
+  </p:clrMapOvr>
+  <p:timing>
+    <p:tnLst>
+      <p:par>
+        <p:cTn id="1" dur="indefinite" restart="never" nodeType="tmRoot"/>
+      </p:par>
+    </p:tnLst>
+  </p:timing>
+</p:sld>
+</file>
+
+<file path=ppt/slides/slide7.xml><?xml version="1.0" encoding="utf-8"?>
+<p:sld xmlns:a="http://schemas.openxmlformats.org/drawingml/2006/main" xmlns:r="http://schemas.openxmlformats.org/officeDocument/2006/relationships" xmlns:p="http://schemas.openxmlformats.org/presentationml/2006/main">
+  <p:cSld>
+    <p:spTree>
+      <p:nvGrpSpPr>
+        <p:cNvPr id="1" name=""/>
+        <p:cNvGrpSpPr/>
+        <p:nvPr/>
+      </p:nvGrpSpPr>
+      <p:grpSpPr>
+        <a:xfrm>
+          <a:off x="0" y="0"/>
+          <a:ext cx="0" cy="0"/>
+          <a:chOff x="0" y="0"/>
+          <a:chExt cx="0" cy="0"/>
+        </a:xfrm>
+      </p:grpSpPr>
+      <p:pic>
+        <p:nvPicPr>
+          <p:cNvPr id="7" name="Picture 6"/>
+          <p:cNvPicPr>
+            <a:picLocks/>
+          </p:cNvPicPr>
+          <p:nvPr/>
+        </p:nvPicPr>
+        <p:blipFill>
+          <a:blip r:embed="rId2">
+            <a:extLst>
+              <a:ext uri="{28A0092B-C50C-407E-A947-70E740481C1C}">
+                <a14:useLocalDpi xmlns:a14="http://schemas.microsoft.com/office/drawing/2010/main" val="0"/>
+              </a:ext>
+            </a:extLst>
+          </a:blip>
+          <a:stretch>
+            <a:fillRect/>
+          </a:stretch>
+        </p:blipFill>
+        <p:spPr>
+          <a:xfrm>
+            <a:off x="4334256" y="0"/>
+            <a:ext cx="14749272" cy="6702425"/>
+          </a:xfrm>
+          <a:prstGeom prst="rect">
+            <a:avLst/>
+          </a:prstGeom>
+        </p:spPr>
+      </p:pic>
+      <p:sp>
+        <p:nvSpPr>
+          <p:cNvPr id="6" name="Rectangle 5"/>
+          <p:cNvSpPr/>
+          <p:nvPr/>
+        </p:nvSpPr>
+        <p:spPr>
+          <a:xfrm>
+            <a:off x="4332155" y="-1535"/>
+            <a:ext cx="19077120" cy="6702425"/>
+          </a:xfrm>
+          <a:prstGeom prst="rect">
+            <a:avLst/>
+          </a:prstGeom>
+          <a:gradFill flip="none" rotWithShape="1">
+            <a:gsLst>
+              <a:gs pos="23000">
+                <a:schemeClr val="tx1"/>
+              </a:gs>
+              <a:gs pos="37000">
+                <a:schemeClr val="tx1">
+                  <a:alpha val="17000"/>
+                </a:schemeClr>
+              </a:gs>
+            </a:gsLst>
+            <a:lin ang="10800000" scaled="1"/>
+            <a:tileRect/>
+          </a:gradFill>
+          <a:ln>
+            <a:noFill/>
+          </a:ln>
+        </p:spPr>
+        <p:style>
+          <a:lnRef idx="2">
+            <a:schemeClr val="dk1">
+              <a:shade val="50000"/>
+            </a:schemeClr>
+          </a:lnRef>
+          <a:fillRef idx="1">
+            <a:schemeClr val="dk1"/>
+          </a:fillRef>
+          <a:effectRef idx="0">
+            <a:schemeClr val="dk1"/>
+          </a:effectRef>
+          <a:fontRef idx="minor">
+            <a:schemeClr val="lt1"/>
+          </a:fontRef>
+        </p:style>
+        <p:txBody>
+          <a:bodyPr rtlCol="0" anchor="ctr"/>
+          <a:lstStyle/>
+          <a:p>
+            <a:pPr algn="ctr"/>
+            <a:endParaRPr lang="en-US"/>
+          </a:p>
+        </p:txBody>
+      </p:sp>
+      <p:sp>
+        <p:nvSpPr>
+          <p:cNvPr id="8" name="Rectangle 7"/>
+          <p:cNvSpPr/>
+          <p:nvPr/>
+        </p:nvSpPr>
+        <p:spPr>
+          <a:xfrm rot="10800000">
+            <a:off x="6408" y="-3070"/>
+            <a:ext cx="19077120" cy="6702425"/>
+          </a:xfrm>
+          <a:prstGeom prst="rect">
+            <a:avLst/>
+          </a:prstGeom>
+          <a:gradFill flip="none" rotWithShape="1">
+            <a:gsLst>
+              <a:gs pos="23000">
+                <a:schemeClr val="tx1"/>
+              </a:gs>
+              <a:gs pos="37000">
+                <a:schemeClr val="tx1">
+                  <a:alpha val="17000"/>
+                </a:schemeClr>
+              </a:gs>
+            </a:gsLst>
+            <a:lin ang="10800000" scaled="1"/>
+            <a:tileRect/>
+          </a:gradFill>
+          <a:ln>
+            <a:noFill/>
+          </a:ln>
+        </p:spPr>
+        <p:style>
+          <a:lnRef idx="2">
+            <a:schemeClr val="dk1">
+              <a:shade val="50000"/>
+            </a:schemeClr>
+          </a:lnRef>
+          <a:fillRef idx="1">
+            <a:schemeClr val="dk1"/>
+          </a:fillRef>
+          <a:effectRef idx="0">
+            <a:schemeClr val="dk1"/>
+          </a:effectRef>
+          <a:fontRef idx="minor">
+            <a:schemeClr val="lt1"/>
+          </a:fontRef>
+        </p:style>
+        <p:txBody>
+          <a:bodyPr rtlCol="0" anchor="ctr"/>
+          <a:lstStyle/>
+          <a:p>
+            <a:pPr algn="ctr"/>
+            <a:endParaRPr lang="en-US"/>
+          </a:p>
+        </p:txBody>
+      </p:sp>
+    </p:spTree>
+    <p:extLst>
+      <p:ext uri="{BB962C8B-B14F-4D97-AF65-F5344CB8AC3E}">
+        <p14:creationId xmlns:p14="http://schemas.microsoft.com/office/powerpoint/2010/main" val="396153311"/>
       </p:ext>
     </p:extLst>
   </p:cSld>
